--- a/presentation.pptx
+++ b/presentation.pptx
@@ -109,6 +109,11 @@
       </a:defRPr>
     </a:lvl9pPr>
   </p:defaultTextStyle>
+  <p:extLst>
+    <p:ext uri="{EFAFB233-063F-42B5-8137-9DF3F51BA10A}">
+      <p15:sldGuideLst xmlns:p15="http://schemas.microsoft.com/office/powerpoint/2012/main"/>
+    </p:ext>
+  </p:extLst>
 </p:presentation>
 </file>
 
@@ -3382,7 +3387,7 @@
         </p:nvSpPr>
         <p:spPr>
           <a:xfrm>
-            <a:off x="1524000" y="4273087"/>
+            <a:off x="1529541" y="4482812"/>
             <a:ext cx="9144000" cy="1309255"/>
           </a:xfrm>
         </p:spPr>
@@ -3452,6 +3457,207 @@
           <a:chExt cx="0" cy="0"/>
         </a:xfrm>
       </p:grpSpPr>
+      <p:pic>
+        <p:nvPicPr>
+          <p:cNvPr id="1026" name="Picture 2" descr="http://www.logospike.com/wp-content/uploads/2015/10/Android_Logo_09.png"/>
+          <p:cNvPicPr>
+            <a:picLocks noChangeAspect="1" noChangeArrowheads="1"/>
+          </p:cNvPicPr>
+          <p:nvPr/>
+        </p:nvPicPr>
+        <p:blipFill rotWithShape="1">
+          <a:blip r:embed="rId2">
+            <a:duotone>
+              <a:schemeClr val="bg2">
+                <a:shade val="45000"/>
+                <a:satMod val="135000"/>
+              </a:schemeClr>
+              <a:prstClr val="white"/>
+            </a:duotone>
+            <a:alphaModFix amt="25000"/>
+            <a:extLst>
+              <a:ext uri="{28A0092B-C50C-407E-A947-70E740481C1C}">
+                <a14:useLocalDpi xmlns:a14="http://schemas.microsoft.com/office/drawing/2010/main" val="0"/>
+              </a:ext>
+            </a:extLst>
+          </a:blip>
+          <a:srcRect r="1779" b="1"/>
+          <a:stretch/>
+        </p:blipFill>
+        <p:spPr bwMode="auto">
+          <a:xfrm>
+            <a:off x="-2544" y="1383333"/>
+            <a:ext cx="12191979" cy="6857989"/>
+          </a:xfrm>
+          <a:prstGeom prst="rect">
+            <a:avLst/>
+          </a:prstGeom>
+          <a:noFill/>
+          <a:extLst>
+            <a:ext uri="{909E8E84-426E-40DD-AFC4-6F175D3DCCD1}">
+              <a14:hiddenFill xmlns:a14="http://schemas.microsoft.com/office/drawing/2010/main">
+                <a:solidFill>
+                  <a:srgbClr val="FFFFFF"/>
+                </a:solidFill>
+              </a14:hiddenFill>
+            </a:ext>
+          </a:extLst>
+        </p:spPr>
+      </p:pic>
+      <p:sp>
+        <p:nvSpPr>
+          <p:cNvPr id="68" name="Rectangle 67"/>
+          <p:cNvSpPr>
+            <a:spLocks noGrp="1" noRot="1" noChangeAspect="1" noMove="1" noResize="1" noEditPoints="1" noAdjustHandles="1" noChangeArrowheads="1" noChangeShapeType="1" noTextEdit="1"/>
+          </p:cNvSpPr>
+          <p:nvPr>
+            <p:extLst>
+              <p:ext uri="{386F3935-93C4-4BCD-93E2-E3B085C9AB24}">
+                <p16:designElem xmlns:p16="http://schemas.microsoft.com/office/powerpoint/2015/main" val="1"/>
+              </p:ext>
+            </p:extLst>
+          </p:nvPr>
+        </p:nvSpPr>
+        <p:spPr>
+          <a:xfrm>
+            <a:off x="483" y="176109"/>
+            <a:ext cx="12188952" cy="1645919"/>
+          </a:xfrm>
+          <a:prstGeom prst="rect">
+            <a:avLst/>
+          </a:prstGeom>
+          <a:solidFill>
+            <a:schemeClr val="tx1">
+              <a:alpha val="95000"/>
+            </a:schemeClr>
+          </a:solidFill>
+          <a:ln>
+            <a:noFill/>
+          </a:ln>
+        </p:spPr>
+        <p:style>
+          <a:lnRef idx="2">
+            <a:schemeClr val="accent1">
+              <a:shade val="50000"/>
+            </a:schemeClr>
+          </a:lnRef>
+          <a:fillRef idx="1">
+            <a:schemeClr val="accent1"/>
+          </a:fillRef>
+          <a:effectRef idx="0">
+            <a:schemeClr val="accent1"/>
+          </a:effectRef>
+          <a:fontRef idx="minor">
+            <a:schemeClr val="lt1"/>
+          </a:fontRef>
+        </p:style>
+        <p:txBody>
+          <a:bodyPr rtlCol="0" anchor="ctr"/>
+          <a:lstStyle>
+            <a:defPPr>
+              <a:defRPr lang="en-US"/>
+            </a:defPPr>
+            <a:lvl1pPr marL="0" algn="l" defTabSz="914400" rtl="0" eaLnBrk="1" latinLnBrk="0" hangingPunct="1">
+              <a:defRPr sz="1800" kern="1200">
+                <a:solidFill>
+                  <a:schemeClr val="lt1"/>
+                </a:solidFill>
+                <a:latin typeface="+mn-lt"/>
+                <a:ea typeface="+mn-ea"/>
+                <a:cs typeface="+mn-cs"/>
+              </a:defRPr>
+            </a:lvl1pPr>
+            <a:lvl2pPr marL="457200" algn="l" defTabSz="914400" rtl="0" eaLnBrk="1" latinLnBrk="0" hangingPunct="1">
+              <a:defRPr sz="1800" kern="1200">
+                <a:solidFill>
+                  <a:schemeClr val="lt1"/>
+                </a:solidFill>
+                <a:latin typeface="+mn-lt"/>
+                <a:ea typeface="+mn-ea"/>
+                <a:cs typeface="+mn-cs"/>
+              </a:defRPr>
+            </a:lvl2pPr>
+            <a:lvl3pPr marL="914400" algn="l" defTabSz="914400" rtl="0" eaLnBrk="1" latinLnBrk="0" hangingPunct="1">
+              <a:defRPr sz="1800" kern="1200">
+                <a:solidFill>
+                  <a:schemeClr val="lt1"/>
+                </a:solidFill>
+                <a:latin typeface="+mn-lt"/>
+                <a:ea typeface="+mn-ea"/>
+                <a:cs typeface="+mn-cs"/>
+              </a:defRPr>
+            </a:lvl3pPr>
+            <a:lvl4pPr marL="1371600" algn="l" defTabSz="914400" rtl="0" eaLnBrk="1" latinLnBrk="0" hangingPunct="1">
+              <a:defRPr sz="1800" kern="1200">
+                <a:solidFill>
+                  <a:schemeClr val="lt1"/>
+                </a:solidFill>
+                <a:latin typeface="+mn-lt"/>
+                <a:ea typeface="+mn-ea"/>
+                <a:cs typeface="+mn-cs"/>
+              </a:defRPr>
+            </a:lvl4pPr>
+            <a:lvl5pPr marL="1828800" algn="l" defTabSz="914400" rtl="0" eaLnBrk="1" latinLnBrk="0" hangingPunct="1">
+              <a:defRPr sz="1800" kern="1200">
+                <a:solidFill>
+                  <a:schemeClr val="lt1"/>
+                </a:solidFill>
+                <a:latin typeface="+mn-lt"/>
+                <a:ea typeface="+mn-ea"/>
+                <a:cs typeface="+mn-cs"/>
+              </a:defRPr>
+            </a:lvl5pPr>
+            <a:lvl6pPr marL="2286000" algn="l" defTabSz="914400" rtl="0" eaLnBrk="1" latinLnBrk="0" hangingPunct="1">
+              <a:defRPr sz="1800" kern="1200">
+                <a:solidFill>
+                  <a:schemeClr val="lt1"/>
+                </a:solidFill>
+                <a:latin typeface="+mn-lt"/>
+                <a:ea typeface="+mn-ea"/>
+                <a:cs typeface="+mn-cs"/>
+              </a:defRPr>
+            </a:lvl6pPr>
+            <a:lvl7pPr marL="2743200" algn="l" defTabSz="914400" rtl="0" eaLnBrk="1" latinLnBrk="0" hangingPunct="1">
+              <a:defRPr sz="1800" kern="1200">
+                <a:solidFill>
+                  <a:schemeClr val="lt1"/>
+                </a:solidFill>
+                <a:latin typeface="+mn-lt"/>
+                <a:ea typeface="+mn-ea"/>
+                <a:cs typeface="+mn-cs"/>
+              </a:defRPr>
+            </a:lvl7pPr>
+            <a:lvl8pPr marL="3200400" algn="l" defTabSz="914400" rtl="0" eaLnBrk="1" latinLnBrk="0" hangingPunct="1">
+              <a:defRPr sz="1800" kern="1200">
+                <a:solidFill>
+                  <a:schemeClr val="lt1"/>
+                </a:solidFill>
+                <a:latin typeface="+mn-lt"/>
+                <a:ea typeface="+mn-ea"/>
+                <a:cs typeface="+mn-cs"/>
+              </a:defRPr>
+            </a:lvl8pPr>
+            <a:lvl9pPr marL="3657600" algn="l" defTabSz="914400" rtl="0" eaLnBrk="1" latinLnBrk="0" hangingPunct="1">
+              <a:defRPr sz="1800" kern="1200">
+                <a:solidFill>
+                  <a:schemeClr val="lt1"/>
+                </a:solidFill>
+                <a:latin typeface="+mn-lt"/>
+                <a:ea typeface="+mn-ea"/>
+                <a:cs typeface="+mn-cs"/>
+              </a:defRPr>
+            </a:lvl9pPr>
+          </a:lstStyle>
+          <a:p>
+            <a:pPr algn="ctr"/>
+            <a:endParaRPr lang="en-US" dirty="0">
+              <a:solidFill>
+                <a:srgbClr val="FFFFFF"/>
+              </a:solidFill>
+            </a:endParaRPr>
+          </a:p>
+        </p:txBody>
+      </p:sp>
       <p:sp>
         <p:nvSpPr>
           <p:cNvPr id="2" name="Title 1"/>
@@ -3464,7 +3670,9 @@
         </p:nvSpPr>
         <p:spPr/>
         <p:txBody>
-          <a:bodyPr/>
+          <a:bodyPr>
+            <a:normAutofit/>
+          </a:bodyPr>
           <a:lstStyle/>
           <a:p>
             <a:r>
@@ -3486,7 +3694,9 @@
         </p:nvSpPr>
         <p:spPr/>
         <p:txBody>
-          <a:bodyPr/>
+          <a:bodyPr>
+            <a:normAutofit/>
+          </a:bodyPr>
           <a:lstStyle/>
           <a:p>
             <a:r>
@@ -3495,7 +3705,10 @@
             </a:r>
           </a:p>
           <a:p>
-            <a:endParaRPr lang="en-US" dirty="0"/>
+            <a:r>
+              <a:rPr lang="en-US" dirty="0"/>
+              <a:t>Effective solution to retain unique language of each kid made available to caretakers</a:t>
+            </a:r>
           </a:p>
         </p:txBody>
       </p:sp>
@@ -3640,26 +3853,29 @@
               <a:rPr lang="en-US" dirty="0" err="1"/>
               <a:t>ScreenShots</a:t>
             </a:r>
+            <a:r>
+              <a:rPr lang="en-US" dirty="0"/>
+              <a:t> &amp; DEMO</a:t>
+            </a:r>
+          </a:p>
+        </p:txBody>
+      </p:sp>
+      <p:sp>
+        <p:nvSpPr>
+          <p:cNvPr id="3" name="Content Placeholder 2"/>
+          <p:cNvSpPr>
+            <a:spLocks noGrp="1"/>
+          </p:cNvSpPr>
+          <p:nvPr>
+            <p:ph idx="1"/>
+          </p:nvPr>
+        </p:nvSpPr>
+        <p:spPr/>
+        <p:txBody>
+          <a:bodyPr/>
+          <a:lstStyle/>
+          <a:p>
             <a:endParaRPr lang="en-US" dirty="0"/>
-          </a:p>
-        </p:txBody>
-      </p:sp>
-      <p:sp>
-        <p:nvSpPr>
-          <p:cNvPr id="3" name="Content Placeholder 2"/>
-          <p:cNvSpPr>
-            <a:spLocks noGrp="1"/>
-          </p:cNvSpPr>
-          <p:nvPr>
-            <p:ph idx="1"/>
-          </p:nvPr>
-        </p:nvSpPr>
-        <p:spPr/>
-        <p:txBody>
-          <a:bodyPr/>
-          <a:lstStyle/>
-          <a:p>
-            <a:endParaRPr lang="en-US"/>
           </a:p>
         </p:txBody>
       </p:sp>
@@ -3732,13 +3948,19 @@
           <a:p>
             <a:r>
               <a:rPr lang="en-US" dirty="0"/>
-              <a:t>Returns possible meanings for each kid with their audio profile</a:t>
+              <a:t>Words already inputted will retain, therefore new caretakers can understand kids more readily</a:t>
             </a:r>
           </a:p>
           <a:p>
             <a:r>
               <a:rPr lang="en-US" dirty="0"/>
-              <a:t>Words already inputted will retain, therefore new caretakers can understand kids more readily</a:t>
+              <a:t>Allows a user to map specific sounds to meanings for each kid, creating a audio profile</a:t>
+            </a:r>
+          </a:p>
+          <a:p>
+            <a:r>
+              <a:rPr lang="en-US" dirty="0"/>
+              <a:t>Returns the best translation or possible meanings for each kid with their audio profile (audio saved in database)</a:t>
             </a:r>
           </a:p>
         </p:txBody>
@@ -3822,6 +4044,21 @@
             </a:r>
           </a:p>
           <a:p>
+            <a:r>
+              <a:rPr lang="en-US" dirty="0"/>
+              <a:t>Statistics of words used and other useful information</a:t>
+            </a:r>
+          </a:p>
+          <a:p>
+            <a:r>
+              <a:rPr lang="en-US" dirty="0"/>
+              <a:t>iOS development </a:t>
+            </a:r>
+          </a:p>
+          <a:p>
+            <a:endParaRPr lang="en-US" dirty="0"/>
+          </a:p>
+          <a:p>
             <a:endParaRPr lang="en-US" dirty="0"/>
           </a:p>
         </p:txBody>
@@ -3842,7 +4079,7 @@
 <file path=ppt/theme/theme1.xml><?xml version="1.0" encoding="utf-8"?>
 <a:theme xmlns:a="http://schemas.openxmlformats.org/drawingml/2006/main" name="Banded">
   <a:themeElements>
-    <a:clrScheme name="Office">
+    <a:clrScheme name="Blue II">
       <a:dk1>
         <a:sysClr val="windowText" lastClr="000000"/>
       </a:dk1>
@@ -3850,48 +4087,83 @@
         <a:sysClr val="window" lastClr="FFFFFF"/>
       </a:lt1>
       <a:dk2>
-        <a:srgbClr val="44546A"/>
+        <a:srgbClr val="335B74"/>
       </a:dk2>
       <a:lt2>
-        <a:srgbClr val="E7E6E6"/>
+        <a:srgbClr val="DFE3E5"/>
       </a:lt2>
       <a:accent1>
-        <a:srgbClr val="5B9BD5"/>
+        <a:srgbClr val="1CADE4"/>
       </a:accent1>
       <a:accent2>
-        <a:srgbClr val="ED7D31"/>
+        <a:srgbClr val="2683C6"/>
       </a:accent2>
       <a:accent3>
-        <a:srgbClr val="A5A5A5"/>
+        <a:srgbClr val="27CED7"/>
       </a:accent3>
       <a:accent4>
-        <a:srgbClr val="FFC000"/>
+        <a:srgbClr val="42BA97"/>
       </a:accent4>
       <a:accent5>
-        <a:srgbClr val="4472C4"/>
+        <a:srgbClr val="3E8853"/>
       </a:accent5>
       <a:accent6>
-        <a:srgbClr val="70AD47"/>
+        <a:srgbClr val="62A39F"/>
       </a:accent6>
       <a:hlink>
-        <a:srgbClr val="0563C1"/>
+        <a:srgbClr val="6EAC1C"/>
       </a:hlink>
       <a:folHlink>
-        <a:srgbClr val="954F72"/>
+        <a:srgbClr val="B26B02"/>
       </a:folHlink>
     </a:clrScheme>
-    <a:fontScheme name="Banded">
+    <a:fontScheme name="Century Gothic">
       <a:majorFont>
-        <a:latin typeface="Corbel" panose="020B0503020204020204"/>
+        <a:latin typeface="Century Gothic" panose="020F0302020204030204"/>
         <a:ea typeface=""/>
         <a:cs typeface=""/>
-        <a:font script="Jpan" typeface="ＭＳ ゴシック"/>
+        <a:font script="Jpan" typeface="メイリオ"/>
         <a:font script="Hang" typeface="맑은 고딕"/>
         <a:font script="Hans" typeface="宋体"/>
         <a:font script="Hant" typeface="新細明體"/>
-        <a:font script="Arab" typeface="Tahoma"/>
-        <a:font script="Hebr" typeface="Gisha"/>
-        <a:font script="Thai" typeface="DilleniaUPC"/>
+        <a:font script="Arab" typeface="Times New Roman"/>
+        <a:font script="Hebr" typeface="Times New Roman"/>
+        <a:font script="Thai" typeface="Angsana New"/>
+        <a:font script="Ethi" typeface="Nyala"/>
+        <a:font script="Beng" typeface="Vrinda"/>
+        <a:font script="Gujr" typeface="Shruti"/>
+        <a:font script="Khmr" typeface="MoolBoran"/>
+        <a:font script="Knda" typeface="Tunga"/>
+        <a:font script="Guru" typeface="Raavi"/>
+        <a:font script="Cans" typeface="Euphemia"/>
+        <a:font script="Cher" typeface="Plantagenet Cherokee"/>
+        <a:font script="Yiii" typeface="Microsoft Yi Baiti"/>
+        <a:font script="Tibt" typeface="Microsoft Himalaya"/>
+        <a:font script="Thaa" typeface="MV Boli"/>
+        <a:font script="Deva" typeface="Mangal"/>
+        <a:font script="Telu" typeface="Gautami"/>
+        <a:font script="Taml" typeface="Latha"/>
+        <a:font script="Syrc" typeface="Estrangelo Edessa"/>
+        <a:font script="Orya" typeface="Kalinga"/>
+        <a:font script="Mlym" typeface="Kartika"/>
+        <a:font script="Laoo" typeface="DokChampa"/>
+        <a:font script="Sinh" typeface="Iskoola Pota"/>
+        <a:font script="Mong" typeface="Mongolian Baiti"/>
+        <a:font script="Viet" typeface="Times New Roman"/>
+        <a:font script="Uigh" typeface="Microsoft Uighur"/>
+        <a:font script="Geor" typeface="Sylfaen"/>
+      </a:majorFont>
+      <a:minorFont>
+        <a:latin typeface="Century Gothic" panose="020F0302020204030204"/>
+        <a:ea typeface=""/>
+        <a:cs typeface=""/>
+        <a:font script="Jpan" typeface="メイリオ"/>
+        <a:font script="Hang" typeface="맑은 고딕"/>
+        <a:font script="Hans" typeface="宋体"/>
+        <a:font script="Hant" typeface="新細明體"/>
+        <a:font script="Arab" typeface="Arial"/>
+        <a:font script="Hebr" typeface="Arial"/>
+        <a:font script="Thai" typeface="Cordia New"/>
         <a:font script="Ethi" typeface="Nyala"/>
         <a:font script="Beng" typeface="Vrinda"/>
         <a:font script="Gujr" typeface="Shruti"/>
@@ -3912,42 +4184,7 @@
         <a:font script="Laoo" typeface="DokChampa"/>
         <a:font script="Sinh" typeface="Iskoola Pota"/>
         <a:font script="Mong" typeface="Mongolian Baiti"/>
-        <a:font script="Viet" typeface="Tahoma"/>
-        <a:font script="Uigh" typeface="Microsoft Uighur"/>
-        <a:font script="Geor" typeface="Sylfaen"/>
-      </a:majorFont>
-      <a:minorFont>
-        <a:latin typeface="Corbel" panose="020B0503020204020204"/>
-        <a:ea typeface=""/>
-        <a:cs typeface=""/>
-        <a:font script="Jpan" typeface="ＭＳ ゴシック"/>
-        <a:font script="Hang" typeface="맑은 고딕"/>
-        <a:font script="Hans" typeface="宋体"/>
-        <a:font script="Hant" typeface="新細明體"/>
-        <a:font script="Arab" typeface="Tahoma"/>
-        <a:font script="Hebr" typeface="Gisha"/>
-        <a:font script="Thai" typeface="DilleniaUPC"/>
-        <a:font script="Ethi" typeface="Nyala"/>
-        <a:font script="Beng" typeface="Vrinda"/>
-        <a:font script="Gujr" typeface="Shruti"/>
-        <a:font script="Khmr" typeface="DaunPenh"/>
-        <a:font script="Knda" typeface="Tunga"/>
-        <a:font script="Guru" typeface="Raavi"/>
-        <a:font script="Cans" typeface="Euphemia"/>
-        <a:font script="Cher" typeface="Plantagenet Cherokee"/>
-        <a:font script="Yiii" typeface="Microsoft Yi Baiti"/>
-        <a:font script="Tibt" typeface="Microsoft Himalaya"/>
-        <a:font script="Thaa" typeface="MV Boli"/>
-        <a:font script="Deva" typeface="Mangal"/>
-        <a:font script="Telu" typeface="Gautami"/>
-        <a:font script="Taml" typeface="Latha"/>
-        <a:font script="Syrc" typeface="Estrangelo Edessa"/>
-        <a:font script="Orya" typeface="Kalinga"/>
-        <a:font script="Mlym" typeface="Kartika"/>
-        <a:font script="Laoo" typeface="DokChampa"/>
-        <a:font script="Sinh" typeface="Iskoola Pota"/>
-        <a:font script="Mong" typeface="Mongolian Baiti"/>
-        <a:font script="Viet" typeface="Verdana"/>
+        <a:font script="Viet" typeface="Arial"/>
         <a:font script="Uigh" typeface="Microsoft Uighur"/>
         <a:font script="Geor" typeface="Sylfaen"/>
       </a:minorFont>

--- a/presentation.pptx
+++ b/presentation.pptx
@@ -10,7 +10,8 @@
     <p:sldId id="260" r:id="rId4"/>
     <p:sldId id="261" r:id="rId5"/>
     <p:sldId id="258" r:id="rId6"/>
-    <p:sldId id="259" r:id="rId7"/>
+    <p:sldId id="262" r:id="rId7"/>
+    <p:sldId id="259" r:id="rId8"/>
   </p:sldIdLst>
   <p:sldSz cx="12192000" cy="6858000"/>
   <p:notesSz cx="6858000" cy="9144000"/>
@@ -4012,7 +4013,87 @@
           <a:p>
             <a:r>
               <a:rPr lang="en-US" dirty="0"/>
-              <a:t>Future work</a:t>
+              <a:t>Necessary Work</a:t>
+            </a:r>
+          </a:p>
+        </p:txBody>
+      </p:sp>
+      <p:sp>
+        <p:nvSpPr>
+          <p:cNvPr id="3" name="Content Placeholder 2"/>
+          <p:cNvSpPr>
+            <a:spLocks noGrp="1"/>
+          </p:cNvSpPr>
+          <p:nvPr>
+            <p:ph idx="1"/>
+          </p:nvPr>
+        </p:nvSpPr>
+        <p:spPr/>
+        <p:txBody>
+          <a:bodyPr/>
+          <a:lstStyle/>
+          <a:p>
+            <a:r>
+              <a:rPr lang="en-US" dirty="0"/>
+              <a:t>Security with the information between application, server and database</a:t>
+            </a:r>
+          </a:p>
+          <a:p>
+            <a:r>
+              <a:rPr lang="en-US" dirty="0"/>
+              <a:t>Restricted access for caretakers to limit manipulation of entire database</a:t>
+            </a:r>
+          </a:p>
+        </p:txBody>
+      </p:sp>
+    </p:spTree>
+    <p:extLst>
+      <p:ext uri="{BB962C8B-B14F-4D97-AF65-F5344CB8AC3E}">
+        <p14:creationId xmlns:p14="http://schemas.microsoft.com/office/powerpoint/2010/main" val="1671750005"/>
+      </p:ext>
+    </p:extLst>
+  </p:cSld>
+  <p:clrMapOvr>
+    <a:masterClrMapping/>
+  </p:clrMapOvr>
+</p:sld>
+</file>
+
+<file path=ppt/slides/slide7.xml><?xml version="1.0" encoding="utf-8"?>
+<p:sld xmlns:a="http://schemas.openxmlformats.org/drawingml/2006/main" xmlns:r="http://schemas.openxmlformats.org/officeDocument/2006/relationships" xmlns:p="http://schemas.openxmlformats.org/presentationml/2006/main">
+  <p:cSld>
+    <p:spTree>
+      <p:nvGrpSpPr>
+        <p:cNvPr id="1" name=""/>
+        <p:cNvGrpSpPr/>
+        <p:nvPr/>
+      </p:nvGrpSpPr>
+      <p:grpSpPr>
+        <a:xfrm>
+          <a:off x="0" y="0"/>
+          <a:ext cx="0" cy="0"/>
+          <a:chOff x="0" y="0"/>
+          <a:chExt cx="0" cy="0"/>
+        </a:xfrm>
+      </p:grpSpPr>
+      <p:sp>
+        <p:nvSpPr>
+          <p:cNvPr id="2" name="Title 1"/>
+          <p:cNvSpPr>
+            <a:spLocks noGrp="1"/>
+          </p:cNvSpPr>
+          <p:nvPr>
+            <p:ph type="title"/>
+          </p:nvPr>
+        </p:nvSpPr>
+        <p:spPr/>
+        <p:txBody>
+          <a:bodyPr/>
+          <a:lstStyle/>
+          <a:p>
+            <a:r>
+              <a:rPr lang="en-US" dirty="0"/>
+              <a:t>Future Improvements</a:t>
             </a:r>
           </a:p>
         </p:txBody>
@@ -4052,14 +4133,20 @@
           <a:p>
             <a:r>
               <a:rPr lang="en-US" dirty="0"/>
-              <a:t>iOS development </a:t>
-            </a:r>
-          </a:p>
-          <a:p>
-            <a:endParaRPr lang="en-US" dirty="0"/>
-          </a:p>
-          <a:p>
-            <a:endParaRPr lang="en-US" dirty="0"/>
+              <a:t>iOS development</a:t>
+            </a:r>
+          </a:p>
+          <a:p>
+            <a:r>
+              <a:rPr lang="en-US" dirty="0"/>
+              <a:t>Voice activation to listen for audio</a:t>
+            </a:r>
+          </a:p>
+          <a:p>
+            <a:r>
+              <a:rPr lang="en-US" dirty="0"/>
+              <a:t>Additional information associated with child on their profile (such as medical function)</a:t>
+            </a:r>
           </a:p>
         </p:txBody>
       </p:sp>

--- a/presentation.pptx
+++ b/presentation.pptx
@@ -3701,13 +3701,13 @@
           <a:lstStyle/>
           <a:p>
             <a:r>
-              <a:rPr lang="en-US" dirty="0"/>
+              <a:rPr lang="en-US" sz="4400" dirty="0"/>
               <a:t>An intuitive and easy to use mobile app that helps caretakers understand kids</a:t>
             </a:r>
           </a:p>
           <a:p>
             <a:r>
-              <a:rPr lang="en-US" dirty="0"/>
+              <a:rPr lang="en-US" sz="4400" dirty="0"/>
               <a:t>Effective solution to retain unique language of each kid made available to caretakers</a:t>
             </a:r>
           </a:p>
@@ -3777,30 +3777,33 @@
         </p:nvSpPr>
         <p:spPr/>
         <p:txBody>
-          <a:bodyPr/>
-          <a:lstStyle/>
-          <a:p>
-            <a:r>
-              <a:rPr lang="en-US" dirty="0"/>
-              <a:t>Initially, a user would record reoccurring phrases associated with a particular child</a:t>
-            </a:r>
-          </a:p>
-          <a:p>
-            <a:r>
-              <a:rPr lang="en-US" dirty="0"/>
-              <a:t>New recordings will allow user to add associated meaning</a:t>
-            </a:r>
-          </a:p>
-          <a:p>
-            <a:r>
-              <a:rPr lang="en-US" dirty="0"/>
-              <a:t>Interpreting meaning will show up likely results based on audio input</a:t>
-            </a:r>
-          </a:p>
-          <a:p>
-            <a:r>
-              <a:rPr lang="en-US" dirty="0"/>
-              <a:t>If results are faulty, user can edit meanings shown for better results in the future</a:t>
+          <a:bodyPr>
+            <a:noAutofit/>
+          </a:bodyPr>
+          <a:lstStyle/>
+          <a:p>
+            <a:r>
+              <a:rPr lang="en-US" sz="3600" dirty="0"/>
+              <a:t>Initial: User will input audio data of reoccurring phrases </a:t>
+            </a:r>
+          </a:p>
+          <a:p>
+            <a:endParaRPr lang="en-US" sz="3600" dirty="0"/>
+          </a:p>
+          <a:p>
+            <a:r>
+              <a:rPr lang="en-US" sz="3600" dirty="0"/>
+              <a:t>Translation: Caretaker may record the child speaking and translate it to text</a:t>
+            </a:r>
+            <a:br>
+              <a:rPr lang="en-US" sz="3600" dirty="0"/>
+            </a:br>
+            <a:endParaRPr lang="en-US" sz="3600" dirty="0"/>
+          </a:p>
+          <a:p>
+            <a:r>
+              <a:rPr lang="en-US" sz="3600" dirty="0"/>
+              <a:t>Editing: Meanings of audio data can be edited if wrong</a:t>
             </a:r>
           </a:p>
         </p:txBody>
@@ -3944,25 +3947,36 @@
         </p:nvSpPr>
         <p:spPr/>
         <p:txBody>
-          <a:bodyPr/>
-          <a:lstStyle/>
-          <a:p>
-            <a:r>
-              <a:rPr lang="en-US" dirty="0"/>
-              <a:t>Words already inputted will retain, therefore new caretakers can understand kids more readily</a:t>
-            </a:r>
-          </a:p>
-          <a:p>
-            <a:r>
-              <a:rPr lang="en-US" dirty="0"/>
-              <a:t>Allows a user to map specific sounds to meanings for each kid, creating a audio profile</a:t>
-            </a:r>
-          </a:p>
-          <a:p>
-            <a:r>
-              <a:rPr lang="en-US" dirty="0"/>
-              <a:t>Returns the best translation or possible meanings for each kid with their audio profile (audio saved in database)</a:t>
-            </a:r>
+          <a:bodyPr>
+            <a:normAutofit fontScale="92500" lnSpcReduction="20000"/>
+          </a:bodyPr>
+          <a:lstStyle/>
+          <a:p>
+            <a:r>
+              <a:rPr lang="en-US" sz="4000" dirty="0"/>
+              <a:t>A server/database retains data for each individual</a:t>
+            </a:r>
+          </a:p>
+          <a:p>
+            <a:endParaRPr lang="en-US" sz="4000" dirty="0"/>
+          </a:p>
+          <a:p>
+            <a:r>
+              <a:rPr lang="en-US" sz="4000" dirty="0"/>
+              <a:t>Compares the audio data with reference audio to maximize accuracy</a:t>
+            </a:r>
+          </a:p>
+          <a:p>
+            <a:endParaRPr lang="en-US" sz="4000" dirty="0"/>
+          </a:p>
+          <a:p>
+            <a:r>
+              <a:rPr lang="en-US" sz="4000" dirty="0"/>
+              <a:t>Each caretaker’s android application has their own pool of kids they attend to</a:t>
+            </a:r>
+          </a:p>
+          <a:p>
+            <a:endParaRPr lang="en-US" dirty="0"/>
           </a:p>
         </p:txBody>
       </p:sp>
@@ -4034,15 +4048,33 @@
           <a:lstStyle/>
           <a:p>
             <a:r>
-              <a:rPr lang="en-US" dirty="0"/>
-              <a:t>Security with the information between application, server and database</a:t>
-            </a:r>
-          </a:p>
-          <a:p>
-            <a:r>
-              <a:rPr lang="en-US" dirty="0"/>
-              <a:t>Restricted access for caretakers to limit manipulation of entire database</a:t>
-            </a:r>
+              <a:rPr lang="en-US" sz="4000" dirty="0"/>
+              <a:t>Security to transfer data between platforms</a:t>
+            </a:r>
+          </a:p>
+          <a:p>
+            <a:endParaRPr lang="en-US" sz="4000" dirty="0"/>
+          </a:p>
+          <a:p>
+            <a:r>
+              <a:rPr lang="en-US" sz="4000" dirty="0"/>
+              <a:t>Easy to use user interface</a:t>
+            </a:r>
+          </a:p>
+          <a:p>
+            <a:endParaRPr lang="en-US" sz="4000" dirty="0"/>
+          </a:p>
+          <a:p>
+            <a:r>
+              <a:rPr lang="en-US" sz="4000" dirty="0"/>
+              <a:t>Accounts for caretakers</a:t>
+            </a:r>
+          </a:p>
+          <a:p>
+            <a:pPr marL="0" indent="0">
+              <a:buNone/>
+            </a:pPr>
+            <a:endParaRPr lang="en-US" dirty="0"/>
           </a:p>
         </p:txBody>
       </p:sp>
@@ -4110,43 +4142,48 @@
         </p:nvSpPr>
         <p:spPr/>
         <p:txBody>
-          <a:bodyPr/>
-          <a:lstStyle/>
-          <a:p>
-            <a:r>
-              <a:rPr lang="en-US" dirty="0"/>
-              <a:t>Compare audio being interpreted directly with database audio for better matches</a:t>
-            </a:r>
-          </a:p>
-          <a:p>
-            <a:r>
-              <a:rPr lang="en-US" dirty="0"/>
-              <a:t>Algorithm that will improve results with more use (from recordings)</a:t>
-            </a:r>
-          </a:p>
-          <a:p>
-            <a:r>
-              <a:rPr lang="en-US" dirty="0"/>
-              <a:t>Statistics of words used and other useful information</a:t>
-            </a:r>
-          </a:p>
-          <a:p>
-            <a:r>
-              <a:rPr lang="en-US" dirty="0"/>
+          <a:bodyPr>
+            <a:normAutofit fontScale="92500" lnSpcReduction="10000"/>
+          </a:bodyPr>
+          <a:lstStyle/>
+          <a:p>
+            <a:r>
+              <a:rPr lang="en-US" sz="3600" dirty="0"/>
+              <a:t>Audio fingerprinting </a:t>
+            </a:r>
+          </a:p>
+          <a:p>
+            <a:endParaRPr lang="en-US" sz="3600" dirty="0"/>
+          </a:p>
+          <a:p>
+            <a:r>
+              <a:rPr lang="en-US" sz="3600" dirty="0"/>
               <a:t>iOS development</a:t>
             </a:r>
           </a:p>
           <a:p>
-            <a:r>
-              <a:rPr lang="en-US" dirty="0"/>
-              <a:t>Voice activation to listen for audio</a:t>
-            </a:r>
-          </a:p>
-          <a:p>
-            <a:r>
-              <a:rPr lang="en-US" dirty="0"/>
-              <a:t>Additional information associated with child on their profile (such as medical function)</a:t>
-            </a:r>
+            <a:endParaRPr lang="en-US" sz="3600" dirty="0"/>
+          </a:p>
+          <a:p>
+            <a:r>
+              <a:rPr lang="en-US" sz="3600" dirty="0"/>
+              <a:t>Improve on comparison algorithm</a:t>
+            </a:r>
+          </a:p>
+          <a:p>
+            <a:endParaRPr lang="en-US" sz="3600" dirty="0"/>
+          </a:p>
+          <a:p>
+            <a:r>
+              <a:rPr lang="en-US" sz="3600" dirty="0"/>
+              <a:t>Statistical reports </a:t>
+            </a:r>
+          </a:p>
+          <a:p>
+            <a:pPr marL="0" indent="0">
+              <a:buNone/>
+            </a:pPr>
+            <a:endParaRPr lang="en-US" dirty="0"/>
           </a:p>
         </p:txBody>
       </p:sp>
